--- a/presenetation/Bugtester recap.pptx
+++ b/presenetation/Bugtester recap.pptx
@@ -7,7 +7,7 @@
     <p:sldMasterId id="2147483789" r:id="rId3"/>
   </p:sldMasterIdLst>
   <p:notesMasterIdLst>
-    <p:notesMasterId r:id="rId10"/>
+    <p:notesMasterId r:id="rId11"/>
   </p:notesMasterIdLst>
   <p:sldIdLst>
     <p:sldId id="308" r:id="rId4"/>
@@ -15,7 +15,8 @@
     <p:sldId id="1404" r:id="rId6"/>
     <p:sldId id="1405" r:id="rId7"/>
     <p:sldId id="1407" r:id="rId8"/>
-    <p:sldId id="694" r:id="rId9"/>
+    <p:sldId id="1408" r:id="rId9"/>
+    <p:sldId id="694" r:id="rId10"/>
   </p:sldIdLst>
   <p:sldSz cx="9144000" cy="6858000" type="screen4x3"/>
   <p:notesSz cx="6858000" cy="9144000"/>
@@ -154,6 +155,7 @@
             <p14:sldId id="1404"/>
             <p14:sldId id="1405"/>
             <p14:sldId id="1407"/>
+            <p14:sldId id="1408"/>
             <p14:sldId id="694"/>
           </p14:sldIdLst>
         </p14:section>
@@ -286,7 +288,7 @@
               <a:pPr>
                 <a:defRPr/>
               </a:pPr>
-              <a:t>10/1/2019</a:t>
+              <a:t>2/6/2020</a:t>
             </a:fld>
             <a:endParaRPr lang="en-US"/>
           </a:p>
@@ -2428,7 +2430,7 @@
               <a:pPr>
                 <a:defRPr/>
               </a:pPr>
-              <a:t>10/1/2019</a:t>
+              <a:t>2/6/2020</a:t>
             </a:fld>
             <a:endParaRPr lang="en-US"/>
           </a:p>
@@ -2623,7 +2625,7 @@
               <a:pPr>
                 <a:defRPr/>
               </a:pPr>
-              <a:t>10/1/2019</a:t>
+              <a:t>2/6/2020</a:t>
             </a:fld>
             <a:endParaRPr lang="en-US"/>
           </a:p>
@@ -2828,7 +2830,7 @@
               <a:pPr>
                 <a:defRPr/>
               </a:pPr>
-              <a:t>10/1/2019</a:t>
+              <a:t>2/6/2020</a:t>
             </a:fld>
             <a:endParaRPr lang="en-US"/>
           </a:p>
@@ -3151,7 +3153,7 @@
                 </a:solidFill>
               </a:rPr>
               <a:pPr/>
-              <a:t>10/1/2019</a:t>
+              <a:t>2/6/2020</a:t>
             </a:fld>
             <a:endParaRPr lang="en-US" dirty="0">
               <a:solidFill>
@@ -3356,7 +3358,7 @@
                 </a:solidFill>
               </a:rPr>
               <a:pPr/>
-              <a:t>10/1/2019</a:t>
+              <a:t>2/6/2020</a:t>
             </a:fld>
             <a:endParaRPr lang="en-US" dirty="0">
               <a:solidFill>
@@ -3633,7 +3635,7 @@
                 </a:solidFill>
               </a:rPr>
               <a:pPr/>
-              <a:t>10/1/2019</a:t>
+              <a:t>2/6/2020</a:t>
             </a:fld>
             <a:endParaRPr lang="en-US" dirty="0">
               <a:solidFill>
@@ -3950,7 +3952,7 @@
                 </a:solidFill>
               </a:rPr>
               <a:pPr/>
-              <a:t>10/1/2019</a:t>
+              <a:t>2/6/2020</a:t>
             </a:fld>
             <a:endParaRPr lang="en-US" dirty="0">
               <a:solidFill>
@@ -4401,7 +4403,7 @@
                 </a:solidFill>
               </a:rPr>
               <a:pPr/>
-              <a:t>10/1/2019</a:t>
+              <a:t>2/6/2020</a:t>
             </a:fld>
             <a:endParaRPr lang="en-US" dirty="0">
               <a:solidFill>
@@ -4550,7 +4552,7 @@
                 </a:solidFill>
               </a:rPr>
               <a:pPr/>
-              <a:t>10/1/2019</a:t>
+              <a:t>2/6/2020</a:t>
             </a:fld>
             <a:endParaRPr lang="en-US" dirty="0">
               <a:solidFill>
@@ -4677,7 +4679,7 @@
                 </a:solidFill>
               </a:rPr>
               <a:pPr/>
-              <a:t>10/1/2019</a:t>
+              <a:t>2/6/2020</a:t>
             </a:fld>
             <a:endParaRPr lang="en-US" dirty="0">
               <a:solidFill>
@@ -4984,7 +4986,7 @@
                 </a:solidFill>
               </a:rPr>
               <a:pPr/>
-              <a:t>10/1/2019</a:t>
+              <a:t>2/6/2020</a:t>
             </a:fld>
             <a:endParaRPr lang="en-US" dirty="0">
               <a:solidFill>
@@ -5186,7 +5188,7 @@
               <a:pPr>
                 <a:defRPr/>
               </a:pPr>
-              <a:t>10/1/2019</a:t>
+              <a:t>2/6/2020</a:t>
             </a:fld>
             <a:endParaRPr lang="en-US"/>
           </a:p>
@@ -7025,7 +7027,7 @@
                 </a:solidFill>
               </a:rPr>
               <a:pPr/>
-              <a:t>10/1/2019</a:t>
+              <a:t>2/6/2020</a:t>
             </a:fld>
             <a:endParaRPr lang="en-US" dirty="0">
               <a:solidFill>
@@ -7225,7 +7227,7 @@
                 </a:solidFill>
               </a:rPr>
               <a:pPr/>
-              <a:t>10/1/2019</a:t>
+              <a:t>2/6/2020</a:t>
             </a:fld>
             <a:endParaRPr lang="en-US" dirty="0">
               <a:solidFill>
@@ -7435,7 +7437,7 @@
                 </a:solidFill>
               </a:rPr>
               <a:pPr/>
-              <a:t>10/1/2019</a:t>
+              <a:t>2/6/2020</a:t>
             </a:fld>
             <a:endParaRPr lang="en-US" dirty="0">
               <a:solidFill>
@@ -7796,7 +7798,7 @@
                 </a:solidFill>
               </a:rPr>
               <a:pPr/>
-              <a:t>10/1/2019</a:t>
+              <a:t>2/6/2020</a:t>
             </a:fld>
             <a:endParaRPr lang="en-US" dirty="0">
               <a:solidFill>
@@ -8001,7 +8003,7 @@
                 </a:solidFill>
               </a:rPr>
               <a:pPr/>
-              <a:t>10/1/2019</a:t>
+              <a:t>2/6/2020</a:t>
             </a:fld>
             <a:endParaRPr lang="en-US" dirty="0">
               <a:solidFill>
@@ -8278,7 +8280,7 @@
                 </a:solidFill>
               </a:rPr>
               <a:pPr/>
-              <a:t>10/1/2019</a:t>
+              <a:t>2/6/2020</a:t>
             </a:fld>
             <a:endParaRPr lang="en-US" dirty="0">
               <a:solidFill>
@@ -8595,7 +8597,7 @@
                 </a:solidFill>
               </a:rPr>
               <a:pPr/>
-              <a:t>10/1/2019</a:t>
+              <a:t>2/6/2020</a:t>
             </a:fld>
             <a:endParaRPr lang="en-US" dirty="0">
               <a:solidFill>
@@ -9046,7 +9048,7 @@
                 </a:solidFill>
               </a:rPr>
               <a:pPr/>
-              <a:t>10/1/2019</a:t>
+              <a:t>2/6/2020</a:t>
             </a:fld>
             <a:endParaRPr lang="en-US" dirty="0">
               <a:solidFill>
@@ -9195,7 +9197,7 @@
                 </a:solidFill>
               </a:rPr>
               <a:pPr/>
-              <a:t>10/1/2019</a:t>
+              <a:t>2/6/2020</a:t>
             </a:fld>
             <a:endParaRPr lang="en-US" dirty="0">
               <a:solidFill>
@@ -9475,7 +9477,7 @@
               <a:pPr>
                 <a:defRPr/>
               </a:pPr>
-              <a:t>10/1/2019</a:t>
+              <a:t>2/6/2020</a:t>
             </a:fld>
             <a:endParaRPr lang="en-US"/>
           </a:p>
@@ -9594,7 +9596,7 @@
                 </a:solidFill>
               </a:rPr>
               <a:pPr/>
-              <a:t>10/1/2019</a:t>
+              <a:t>2/6/2020</a:t>
             </a:fld>
             <a:endParaRPr lang="en-US" dirty="0">
               <a:solidFill>
@@ -9901,7 +9903,7 @@
                 </a:solidFill>
               </a:rPr>
               <a:pPr/>
-              <a:t>10/1/2019</a:t>
+              <a:t>2/6/2020</a:t>
             </a:fld>
             <a:endParaRPr lang="en-US" dirty="0">
               <a:solidFill>
@@ -10188,7 +10190,7 @@
                 </a:solidFill>
               </a:rPr>
               <a:pPr/>
-              <a:t>10/1/2019</a:t>
+              <a:t>2/6/2020</a:t>
             </a:fld>
             <a:endParaRPr lang="en-US" dirty="0">
               <a:solidFill>
@@ -10388,7 +10390,7 @@
                 </a:solidFill>
               </a:rPr>
               <a:pPr/>
-              <a:t>10/1/2019</a:t>
+              <a:t>2/6/2020</a:t>
             </a:fld>
             <a:endParaRPr lang="en-US" dirty="0">
               <a:solidFill>
@@ -10598,7 +10600,7 @@
                 </a:solidFill>
               </a:rPr>
               <a:pPr/>
-              <a:t>10/1/2019</a:t>
+              <a:t>2/6/2020</a:t>
             </a:fld>
             <a:endParaRPr lang="en-US" dirty="0">
               <a:solidFill>
@@ -10948,7 +10950,7 @@
               <a:pPr>
                 <a:defRPr/>
               </a:pPr>
-              <a:t>10/1/2019</a:t>
+              <a:t>2/6/2020</a:t>
             </a:fld>
             <a:endParaRPr lang="en-US"/>
           </a:p>
@@ -11394,7 +11396,7 @@
               <a:pPr>
                 <a:defRPr/>
               </a:pPr>
-              <a:t>10/1/2019</a:t>
+              <a:t>2/6/2020</a:t>
             </a:fld>
             <a:endParaRPr lang="en-US"/>
           </a:p>
@@ -11538,7 +11540,7 @@
               <a:pPr>
                 <a:defRPr/>
               </a:pPr>
-              <a:t>10/1/2019</a:t>
+              <a:t>2/6/2020</a:t>
             </a:fld>
             <a:endParaRPr lang="en-US"/>
           </a:p>
@@ -11660,7 +11662,7 @@
               <a:pPr>
                 <a:defRPr/>
               </a:pPr>
-              <a:t>10/1/2019</a:t>
+              <a:t>2/6/2020</a:t>
             </a:fld>
             <a:endParaRPr lang="en-US"/>
           </a:p>
@@ -11962,7 +11964,7 @@
               <a:pPr>
                 <a:defRPr/>
               </a:pPr>
-              <a:t>10/1/2019</a:t>
+              <a:t>2/6/2020</a:t>
             </a:fld>
             <a:endParaRPr lang="en-US"/>
           </a:p>
@@ -12244,7 +12246,7 @@
               <a:pPr>
                 <a:defRPr/>
               </a:pPr>
-              <a:t>10/1/2019</a:t>
+              <a:t>2/6/2020</a:t>
             </a:fld>
             <a:endParaRPr lang="en-US"/>
           </a:p>
@@ -12537,7 +12539,7 @@
               <a:pPr>
                 <a:defRPr/>
               </a:pPr>
-              <a:t>10/1/2019</a:t>
+              <a:t>2/6/2020</a:t>
             </a:fld>
             <a:endParaRPr lang="en-US"/>
           </a:p>
@@ -13217,7 +13219,7 @@
                   <a:spcPts val="0"/>
                 </a:spcAft>
               </a:pPr>
-              <a:t>10/1/2019</a:t>
+              <a:t>2/6/2020</a:t>
             </a:fld>
             <a:endParaRPr lang="en-US" dirty="0">
               <a:solidFill>
@@ -13843,7 +13845,7 @@
                   <a:spcPts val="0"/>
                 </a:spcAft>
               </a:pPr>
-              <a:t>10/1/2019</a:t>
+              <a:t>2/6/2020</a:t>
             </a:fld>
             <a:endParaRPr lang="en-US" dirty="0">
               <a:solidFill>
@@ -15041,6 +15043,9 @@
               <a:rPr lang="en-US" sz="2800" b="1" dirty="0"/>
               <a:t> </a:t>
             </a:r>
+          </a:p>
+          <a:p>
+            <a:pPr algn="l" rtl="0"/>
             <a:endParaRPr lang="en-US" sz="2800" dirty="0"/>
           </a:p>
           <a:p>
@@ -15122,6 +15127,134 @@
 </file>
 
 <file path=ppt/slides/slide6.xml><?xml version="1.0" encoding="utf-8"?>
+<p:sld xmlns:a="http://schemas.openxmlformats.org/drawingml/2006/main" xmlns:r="http://schemas.openxmlformats.org/officeDocument/2006/relationships" xmlns:p="http://schemas.openxmlformats.org/presentationml/2006/main">
+  <p:cSld>
+    <p:spTree>
+      <p:nvGrpSpPr>
+        <p:cNvPr id="1" name=""/>
+        <p:cNvGrpSpPr/>
+        <p:nvPr/>
+      </p:nvGrpSpPr>
+      <p:grpSpPr>
+        <a:xfrm>
+          <a:off x="0" y="0"/>
+          <a:ext cx="0" cy="0"/>
+          <a:chOff x="0" y="0"/>
+          <a:chExt cx="0" cy="0"/>
+        </a:xfrm>
+      </p:grpSpPr>
+      <p:sp>
+        <p:nvSpPr>
+          <p:cNvPr id="2" name="Content Placeholder 1"/>
+          <p:cNvSpPr>
+            <a:spLocks noGrp="1"/>
+          </p:cNvSpPr>
+          <p:nvPr>
+            <p:ph idx="1"/>
+          </p:nvPr>
+        </p:nvSpPr>
+        <p:spPr/>
+        <p:txBody>
+          <a:bodyPr/>
+          <a:lstStyle/>
+          <a:p>
+            <a:pPr algn="l" rtl="0"/>
+            <a:r>
+              <a:rPr lang="en-US" sz="2800" b="1" dirty="0"/>
+              <a:t>Filtering rate </a:t>
+            </a:r>
+            <a:r>
+              <a:rPr lang="en-US" sz="2800" dirty="0"/>
+              <a:t> - Amount of valid bugs out of all bugs</a:t>
+            </a:r>
+          </a:p>
+          <a:p>
+            <a:pPr algn="l" rtl="0"/>
+            <a:endParaRPr lang="en-US" sz="2800" b="1" dirty="0"/>
+          </a:p>
+          <a:p>
+            <a:pPr algn="l" rtl="0"/>
+            <a:endParaRPr lang="en-US" sz="2800" dirty="0"/>
+          </a:p>
+          <a:p>
+            <a:pPr marL="0" indent="0" algn="l" rtl="0">
+              <a:buNone/>
+            </a:pPr>
+            <a:endParaRPr lang="en-US" sz="2800" dirty="0"/>
+          </a:p>
+          <a:p>
+            <a:pPr marL="0" indent="0" algn="l" rtl="0">
+              <a:buNone/>
+            </a:pPr>
+            <a:endParaRPr lang="en-US" sz="2800" dirty="0"/>
+          </a:p>
+          <a:p>
+            <a:pPr marL="0" indent="0" algn="l" rtl="0">
+              <a:buNone/>
+            </a:pPr>
+            <a:endParaRPr lang="en-US" sz="2800" dirty="0"/>
+          </a:p>
+          <a:p>
+            <a:pPr marL="0" indent="0" algn="l" rtl="0">
+              <a:buNone/>
+            </a:pPr>
+            <a:endParaRPr lang="en-US" sz="2800" dirty="0"/>
+          </a:p>
+          <a:p>
+            <a:pPr marL="0" indent="0" algn="l" rtl="0">
+              <a:buNone/>
+            </a:pPr>
+            <a:endParaRPr lang="en-US" sz="2800" dirty="0"/>
+          </a:p>
+          <a:p>
+            <a:pPr marL="0" indent="0" algn="l" rtl="0">
+              <a:buNone/>
+            </a:pPr>
+            <a:endParaRPr lang="en-US" sz="2800" b="1" i="1" dirty="0">
+              <a:solidFill>
+                <a:srgbClr val="FF0000"/>
+              </a:solidFill>
+            </a:endParaRPr>
+          </a:p>
+        </p:txBody>
+      </p:sp>
+      <p:sp>
+        <p:nvSpPr>
+          <p:cNvPr id="3" name="Title 2"/>
+          <p:cNvSpPr>
+            <a:spLocks noGrp="1"/>
+          </p:cNvSpPr>
+          <p:nvPr>
+            <p:ph type="title"/>
+          </p:nvPr>
+        </p:nvSpPr>
+        <p:spPr/>
+        <p:txBody>
+          <a:bodyPr/>
+          <a:lstStyle/>
+          <a:p>
+            <a:pPr algn="l" rtl="0"/>
+            <a:r>
+              <a:rPr lang="en-US" dirty="0"/>
+              <a:t>Recap – More terms</a:t>
+            </a:r>
+          </a:p>
+        </p:txBody>
+      </p:sp>
+    </p:spTree>
+    <p:extLst>
+      <p:ext uri="{BB962C8B-B14F-4D97-AF65-F5344CB8AC3E}">
+        <p14:creationId xmlns:p14="http://schemas.microsoft.com/office/powerpoint/2010/main" val="3484022295"/>
+      </p:ext>
+    </p:extLst>
+  </p:cSld>
+  <p:clrMapOvr>
+    <a:masterClrMapping/>
+  </p:clrMapOvr>
+</p:sld>
+</file>
+
+<file path=ppt/slides/slide7.xml><?xml version="1.0" encoding="utf-8"?>
 <p:sld xmlns:a="http://schemas.openxmlformats.org/drawingml/2006/main" xmlns:r="http://schemas.openxmlformats.org/officeDocument/2006/relationships" xmlns:p="http://schemas.openxmlformats.org/presentationml/2006/main">
   <p:cSld>
     <p:spTree>
